--- a/docs/Resources/Slides/SML Meeting 5 (March 21, 2023).pptx
+++ b/docs/Resources/Slides/SML Meeting 5 (March 21, 2023).pptx
@@ -10,6 +10,8 @@
     <p:sldId id="263" r:id="rId4"/>
     <p:sldId id="264" r:id="rId5"/>
     <p:sldId id="265" r:id="rId6"/>
+    <p:sldId id="267" r:id="rId7"/>
+    <p:sldId id="266" r:id="rId8"/>
   </p:sldIdLst>
   <p:sldSz cx="12192000" cy="6858000"/>
   <p:notesSz cx="6858000" cy="9144000"/>
@@ -108,6 +110,11 @@
       </a:defRPr>
     </a:lvl9pPr>
   </p:defaultTextStyle>
+  <p:extLst>
+    <p:ext uri="{EFAFB233-063F-42B5-8137-9DF3F51BA10A}">
+      <p15:sldGuideLst xmlns:p15="http://schemas.microsoft.com/office/powerpoint/2012/main"/>
+    </p:ext>
+  </p:extLst>
 </p:presentation>
 </file>
 
@@ -260,7 +267,7 @@
           <a:p>
             <a:fld id="{FD7DE210-63D5-4E0E-82A0-377D9FDEDAF8}" type="datetimeFigureOut">
               <a:rPr lang="en-GB" smtClean="0"/>
-              <a:t>21/03/2023</a:t>
+              <a:t>22/03/2023</a:t>
             </a:fld>
             <a:endParaRPr lang="en-GB"/>
           </a:p>
@@ -460,7 +467,7 @@
           <a:p>
             <a:fld id="{FD7DE210-63D5-4E0E-82A0-377D9FDEDAF8}" type="datetimeFigureOut">
               <a:rPr lang="en-GB" smtClean="0"/>
-              <a:t>21/03/2023</a:t>
+              <a:t>22/03/2023</a:t>
             </a:fld>
             <a:endParaRPr lang="en-GB"/>
           </a:p>
@@ -670,7 +677,7 @@
           <a:p>
             <a:fld id="{FD7DE210-63D5-4E0E-82A0-377D9FDEDAF8}" type="datetimeFigureOut">
               <a:rPr lang="en-GB" smtClean="0"/>
-              <a:t>21/03/2023</a:t>
+              <a:t>22/03/2023</a:t>
             </a:fld>
             <a:endParaRPr lang="en-GB"/>
           </a:p>
@@ -870,7 +877,7 @@
           <a:p>
             <a:fld id="{FD7DE210-63D5-4E0E-82A0-377D9FDEDAF8}" type="datetimeFigureOut">
               <a:rPr lang="en-GB" smtClean="0"/>
-              <a:t>21/03/2023</a:t>
+              <a:t>22/03/2023</a:t>
             </a:fld>
             <a:endParaRPr lang="en-GB"/>
           </a:p>
@@ -1146,7 +1153,7 @@
           <a:p>
             <a:fld id="{FD7DE210-63D5-4E0E-82A0-377D9FDEDAF8}" type="datetimeFigureOut">
               <a:rPr lang="en-GB" smtClean="0"/>
-              <a:t>21/03/2023</a:t>
+              <a:t>22/03/2023</a:t>
             </a:fld>
             <a:endParaRPr lang="en-GB"/>
           </a:p>
@@ -1414,7 +1421,7 @@
           <a:p>
             <a:fld id="{FD7DE210-63D5-4E0E-82A0-377D9FDEDAF8}" type="datetimeFigureOut">
               <a:rPr lang="en-GB" smtClean="0"/>
-              <a:t>21/03/2023</a:t>
+              <a:t>22/03/2023</a:t>
             </a:fld>
             <a:endParaRPr lang="en-GB"/>
           </a:p>
@@ -1829,7 +1836,7 @@
           <a:p>
             <a:fld id="{FD7DE210-63D5-4E0E-82A0-377D9FDEDAF8}" type="datetimeFigureOut">
               <a:rPr lang="en-GB" smtClean="0"/>
-              <a:t>21/03/2023</a:t>
+              <a:t>22/03/2023</a:t>
             </a:fld>
             <a:endParaRPr lang="en-GB"/>
           </a:p>
@@ -1971,7 +1978,7 @@
           <a:p>
             <a:fld id="{FD7DE210-63D5-4E0E-82A0-377D9FDEDAF8}" type="datetimeFigureOut">
               <a:rPr lang="en-GB" smtClean="0"/>
-              <a:t>21/03/2023</a:t>
+              <a:t>22/03/2023</a:t>
             </a:fld>
             <a:endParaRPr lang="en-GB"/>
           </a:p>
@@ -2084,7 +2091,7 @@
           <a:p>
             <a:fld id="{FD7DE210-63D5-4E0E-82A0-377D9FDEDAF8}" type="datetimeFigureOut">
               <a:rPr lang="en-GB" smtClean="0"/>
-              <a:t>21/03/2023</a:t>
+              <a:t>22/03/2023</a:t>
             </a:fld>
             <a:endParaRPr lang="en-GB"/>
           </a:p>
@@ -2397,7 +2404,7 @@
           <a:p>
             <a:fld id="{FD7DE210-63D5-4E0E-82A0-377D9FDEDAF8}" type="datetimeFigureOut">
               <a:rPr lang="en-GB" smtClean="0"/>
-              <a:t>21/03/2023</a:t>
+              <a:t>22/03/2023</a:t>
             </a:fld>
             <a:endParaRPr lang="en-GB"/>
           </a:p>
@@ -2686,7 +2693,7 @@
           <a:p>
             <a:fld id="{FD7DE210-63D5-4E0E-82A0-377D9FDEDAF8}" type="datetimeFigureOut">
               <a:rPr lang="en-GB" smtClean="0"/>
-              <a:t>21/03/2023</a:t>
+              <a:t>22/03/2023</a:t>
             </a:fld>
             <a:endParaRPr lang="en-GB"/>
           </a:p>
@@ -2929,7 +2936,7 @@
           <a:p>
             <a:fld id="{FD7DE210-63D5-4E0E-82A0-377D9FDEDAF8}" type="datetimeFigureOut">
               <a:rPr lang="en-GB" smtClean="0"/>
-              <a:t>21/03/2023</a:t>
+              <a:t>22/03/2023</a:t>
             </a:fld>
             <a:endParaRPr lang="en-GB"/>
           </a:p>
@@ -3362,7 +3369,12 @@
             <p:ph type="ctrTitle"/>
           </p:nvPr>
         </p:nvSpPr>
-        <p:spPr/>
+        <p:spPr>
+          <a:xfrm>
+            <a:off x="1524000" y="868362"/>
+            <a:ext cx="9144000" cy="2387600"/>
+          </a:xfrm>
+        </p:spPr>
         <p:txBody>
           <a:bodyPr>
             <a:normAutofit/>
@@ -3406,7 +3418,16 @@
           <a:p>
             <a:r>
               <a:rPr lang="en-GB" dirty="0"/>
-              <a:t>SML Meeting 5 – March 22, 2023</a:t>
+              <a:t>Justin Koo</a:t>
+            </a:r>
+          </a:p>
+          <a:p>
+            <a:br>
+              <a:rPr lang="en-GB" dirty="0"/>
+            </a:br>
+            <a:r>
+              <a:rPr lang="en-GB" dirty="0"/>
+              <a:t>March 22, 2023</a:t>
             </a:r>
           </a:p>
         </p:txBody>
@@ -4019,44 +4040,298 @@
             <a:pPr lvl="1"/>
             <a:r>
               <a:rPr lang="en-GB" dirty="0"/>
-              <a:t>So far, only trained MLP for blocks on tactile + visual data, with CNN to reduce dimensionality</a:t>
+              <a:t>So far, only trained MLP for blocks on tactile + </a:t>
+            </a:r>
+          </a:p>
+          <a:p>
+            <a:pPr marL="457200" lvl="1" indent="0">
+              <a:buNone/>
+            </a:pPr>
+            <a:r>
+              <a:rPr lang="en-GB" dirty="0"/>
+              <a:t>   visual data, with CNN to reduce dimensionality</a:t>
             </a:r>
           </a:p>
           <a:p>
             <a:pPr lvl="1"/>
             <a:r>
               <a:rPr lang="en-GB" dirty="0"/>
-              <a:t>87.6% validation grasping accuracy</a:t>
+              <a:t>85% validation grasping accuracy</a:t>
             </a:r>
           </a:p>
           <a:p>
             <a:pPr lvl="1"/>
             <a:r>
               <a:rPr lang="en-GB" dirty="0"/>
-              <a:t>TODO: Use PCA on the CNN-transformed data and retrain MLP to </a:t>
-            </a:r>
-            <a:r>
-              <a:rPr lang="en-GB"/>
-              <a:t>see difference</a:t>
-            </a:r>
+              <a:t>TODO: Use PCA on the CNN-transformed data </a:t>
+            </a:r>
+          </a:p>
+          <a:p>
+            <a:pPr marL="457200" lvl="1" indent="0">
+              <a:buNone/>
+            </a:pPr>
+            <a:r>
+              <a:rPr lang="en-GB" dirty="0"/>
+              <a:t>    and retrain MLP to see difference</a:t>
+            </a:r>
+          </a:p>
+          <a:p>
+            <a:pPr lvl="1"/>
+            <a:r>
+              <a:rPr lang="en-GB" dirty="0"/>
+              <a:t>TODO: Combine datasets of the 3 primitive </a:t>
+            </a:r>
+          </a:p>
+          <a:p>
+            <a:pPr marL="457200" lvl="1" indent="0">
+              <a:buNone/>
+            </a:pPr>
+            <a:r>
+              <a:rPr lang="en-GB" dirty="0"/>
+              <a:t>   object types and train MLP</a:t>
+            </a:r>
+          </a:p>
+          <a:p>
             <a:endParaRPr lang="en-GB" dirty="0"/>
           </a:p>
-          <a:p>
-            <a:pPr lvl="1"/>
-            <a:r>
-              <a:rPr lang="en-GB" dirty="0"/>
-              <a:t>TODO: Combine datasets of the 3 primitive object types and train MLP</a:t>
-            </a:r>
-          </a:p>
-          <a:p>
-            <a:endParaRPr lang="en-GB" dirty="0"/>
-          </a:p>
-        </p:txBody>
-      </p:sp>
+        </p:txBody>
+      </p:sp>
+      <p:pic>
+        <p:nvPicPr>
+          <p:cNvPr id="9" name="Picture 8" descr="Chart">
+            <a:extLst>
+              <a:ext uri="{FF2B5EF4-FFF2-40B4-BE49-F238E27FC236}">
+                <a16:creationId xmlns:a16="http://schemas.microsoft.com/office/drawing/2014/main" id="{CE6B0DB3-F813-2E0D-CA86-3C3A3FB1E61D}"/>
+              </a:ext>
+            </a:extLst>
+          </p:cNvPr>
+          <p:cNvPicPr>
+            <a:picLocks noChangeAspect="1"/>
+          </p:cNvPicPr>
+          <p:nvPr/>
+        </p:nvPicPr>
+        <p:blipFill>
+          <a:blip r:embed="rId2">
+            <a:extLst>
+              <a:ext uri="{28A0092B-C50C-407E-A947-70E740481C1C}">
+                <a14:useLocalDpi xmlns:a14="http://schemas.microsoft.com/office/drawing/2010/main" val="0"/>
+              </a:ext>
+            </a:extLst>
+          </a:blip>
+          <a:stretch>
+            <a:fillRect/>
+          </a:stretch>
+        </p:blipFill>
+        <p:spPr>
+          <a:xfrm>
+            <a:off x="7887767" y="3217846"/>
+            <a:ext cx="3389120" cy="2582187"/>
+          </a:xfrm>
+          <a:prstGeom prst="rect">
+            <a:avLst/>
+          </a:prstGeom>
+        </p:spPr>
+      </p:pic>
     </p:spTree>
     <p:extLst>
       <p:ext uri="{BB962C8B-B14F-4D97-AF65-F5344CB8AC3E}">
         <p14:creationId xmlns:p14="http://schemas.microsoft.com/office/powerpoint/2010/main" val="960604578"/>
+      </p:ext>
+    </p:extLst>
+  </p:cSld>
+  <p:clrMapOvr>
+    <a:masterClrMapping/>
+  </p:clrMapOvr>
+</p:sld>
+</file>
+
+<file path=ppt/slides/slide6.xml><?xml version="1.0" encoding="utf-8"?>
+<p:sld xmlns:a="http://schemas.openxmlformats.org/drawingml/2006/main" xmlns:r="http://schemas.openxmlformats.org/officeDocument/2006/relationships" xmlns:p="http://schemas.openxmlformats.org/presentationml/2006/main">
+  <p:cSld>
+    <p:spTree>
+      <p:nvGrpSpPr>
+        <p:cNvPr id="1" name=""/>
+        <p:cNvGrpSpPr/>
+        <p:nvPr/>
+      </p:nvGrpSpPr>
+      <p:grpSpPr>
+        <a:xfrm>
+          <a:off x="0" y="0"/>
+          <a:ext cx="0" cy="0"/>
+          <a:chOff x="0" y="0"/>
+          <a:chExt cx="0" cy="0"/>
+        </a:xfrm>
+      </p:grpSpPr>
+      <p:sp>
+        <p:nvSpPr>
+          <p:cNvPr id="2" name="Title 1">
+            <a:extLst>
+              <a:ext uri="{FF2B5EF4-FFF2-40B4-BE49-F238E27FC236}">
+                <a16:creationId xmlns:a16="http://schemas.microsoft.com/office/drawing/2014/main" id="{B8FA0145-0A5F-E872-AA3F-F89EE1BA36BB}"/>
+              </a:ext>
+            </a:extLst>
+          </p:cNvPr>
+          <p:cNvSpPr>
+            <a:spLocks noGrp="1"/>
+          </p:cNvSpPr>
+          <p:nvPr>
+            <p:ph type="title"/>
+          </p:nvPr>
+        </p:nvSpPr>
+        <p:spPr/>
+        <p:txBody>
+          <a:bodyPr/>
+          <a:lstStyle/>
+          <a:p>
+            <a:r>
+              <a:rPr lang="en-GB" dirty="0"/>
+              <a:t>MLP - experiments</a:t>
+            </a:r>
+          </a:p>
+        </p:txBody>
+      </p:sp>
+      <p:sp>
+        <p:nvSpPr>
+          <p:cNvPr id="3" name="Content Placeholder 2">
+            <a:extLst>
+              <a:ext uri="{FF2B5EF4-FFF2-40B4-BE49-F238E27FC236}">
+                <a16:creationId xmlns:a16="http://schemas.microsoft.com/office/drawing/2014/main" id="{E46F68C1-1D20-1138-AB66-8E0676BBF49B}"/>
+              </a:ext>
+            </a:extLst>
+          </p:cNvPr>
+          <p:cNvSpPr>
+            <a:spLocks noGrp="1"/>
+          </p:cNvSpPr>
+          <p:nvPr>
+            <p:ph idx="1"/>
+          </p:nvPr>
+        </p:nvSpPr>
+        <p:spPr/>
+        <p:txBody>
+          <a:bodyPr/>
+          <a:lstStyle/>
+          <a:p>
+            <a:r>
+              <a:rPr lang="en-GB" dirty="0"/>
+              <a:t>Test if MLP can generalise a grasp for a primitive object</a:t>
+            </a:r>
+          </a:p>
+          <a:p>
+            <a:pPr lvl="1"/>
+            <a:r>
+              <a:rPr lang="en-GB" dirty="0"/>
+              <a:t>Train MLP on data from 2 blocks; test on data from another block. Each block has different dimensions</a:t>
+            </a:r>
+          </a:p>
+        </p:txBody>
+      </p:sp>
+    </p:spTree>
+    <p:extLst>
+      <p:ext uri="{BB962C8B-B14F-4D97-AF65-F5344CB8AC3E}">
+        <p14:creationId xmlns:p14="http://schemas.microsoft.com/office/powerpoint/2010/main" val="4119658078"/>
+      </p:ext>
+    </p:extLst>
+  </p:cSld>
+  <p:clrMapOvr>
+    <a:masterClrMapping/>
+  </p:clrMapOvr>
+</p:sld>
+</file>
+
+<file path=ppt/slides/slide7.xml><?xml version="1.0" encoding="utf-8"?>
+<p:sld xmlns:a="http://schemas.openxmlformats.org/drawingml/2006/main" xmlns:r="http://schemas.openxmlformats.org/officeDocument/2006/relationships" xmlns:p="http://schemas.openxmlformats.org/presentationml/2006/main">
+  <p:cSld>
+    <p:spTree>
+      <p:nvGrpSpPr>
+        <p:cNvPr id="1" name=""/>
+        <p:cNvGrpSpPr/>
+        <p:nvPr/>
+      </p:nvGrpSpPr>
+      <p:grpSpPr>
+        <a:xfrm>
+          <a:off x="0" y="0"/>
+          <a:ext cx="0" cy="0"/>
+          <a:chOff x="0" y="0"/>
+          <a:chExt cx="0" cy="0"/>
+        </a:xfrm>
+      </p:grpSpPr>
+      <p:sp>
+        <p:nvSpPr>
+          <p:cNvPr id="2" name="Title 1">
+            <a:extLst>
+              <a:ext uri="{FF2B5EF4-FFF2-40B4-BE49-F238E27FC236}">
+                <a16:creationId xmlns:a16="http://schemas.microsoft.com/office/drawing/2014/main" id="{E6162383-A918-FBDA-B62D-262E71B0F5DB}"/>
+              </a:ext>
+            </a:extLst>
+          </p:cNvPr>
+          <p:cNvSpPr>
+            <a:spLocks noGrp="1"/>
+          </p:cNvSpPr>
+          <p:nvPr>
+            <p:ph type="title"/>
+          </p:nvPr>
+        </p:nvSpPr>
+        <p:spPr/>
+        <p:txBody>
+          <a:bodyPr/>
+          <a:lstStyle/>
+          <a:p>
+            <a:r>
+              <a:rPr lang="en-GB" dirty="0"/>
+              <a:t>What next?</a:t>
+            </a:r>
+          </a:p>
+        </p:txBody>
+      </p:sp>
+      <p:sp>
+        <p:nvSpPr>
+          <p:cNvPr id="3" name="Content Placeholder 2">
+            <a:extLst>
+              <a:ext uri="{FF2B5EF4-FFF2-40B4-BE49-F238E27FC236}">
+                <a16:creationId xmlns:a16="http://schemas.microsoft.com/office/drawing/2014/main" id="{6E7BA183-6597-B29C-7778-526C400452BF}"/>
+              </a:ext>
+            </a:extLst>
+          </p:cNvPr>
+          <p:cNvSpPr>
+            <a:spLocks noGrp="1"/>
+          </p:cNvSpPr>
+          <p:nvPr>
+            <p:ph idx="1"/>
+          </p:nvPr>
+        </p:nvSpPr>
+        <p:spPr/>
+        <p:txBody>
+          <a:bodyPr/>
+          <a:lstStyle/>
+          <a:p>
+            <a:r>
+              <a:rPr lang="en-GB" dirty="0"/>
+              <a:t>Complete MLP approach (collect enough data)</a:t>
+            </a:r>
+          </a:p>
+          <a:p>
+            <a:pPr lvl="1"/>
+            <a:r>
+              <a:rPr lang="en-GB" dirty="0"/>
+              <a:t>Reduce dimensionality of tactile data down to 6D (from 128D) using PCA (ensure components capture &gt;90% of data variance)</a:t>
+            </a:r>
+          </a:p>
+          <a:p>
+            <a:pPr lvl="1"/>
+            <a:endParaRPr lang="en-GB" dirty="0"/>
+          </a:p>
+          <a:p>
+            <a:r>
+              <a:rPr lang="en-GB" dirty="0"/>
+              <a:t>Evaluation on MLP (with real data)</a:t>
+            </a:r>
+          </a:p>
+        </p:txBody>
+      </p:sp>
+    </p:spTree>
+    <p:extLst>
+      <p:ext uri="{BB962C8B-B14F-4D97-AF65-F5344CB8AC3E}">
+        <p14:creationId xmlns:p14="http://schemas.microsoft.com/office/powerpoint/2010/main" val="2857967652"/>
       </p:ext>
     </p:extLst>
   </p:cSld>
